--- a/Hands-on Modules/1. Pre-Lab Work/2. Concepts and FAQs.pptx
+++ b/Hands-on Modules/1. Pre-Lab Work/2. Concepts and FAQs.pptx
@@ -764,7 +764,7 @@
           <a:p>
             <a:fld id="{35A2D088-BDBD-41A5-ADCE-5C6A4DC08057}" type="datetime8">
               <a:rPr lang="en-US" smtClean="0"/>
-              <a:t>2/27/2019 7:06 PM</a:t>
+              <a:t>2/27/2019 8:02 PM</a:t>
             </a:fld>
             <a:endParaRPr lang="en-US" dirty="0"/>
           </a:p>
@@ -1029,7 +1029,7 @@
           <a:p>
             <a:fld id="{35A2D088-BDBD-41A5-ADCE-5C6A4DC08057}" type="datetime8">
               <a:rPr lang="en-US" smtClean="0"/>
-              <a:t>2/27/2019 7:06 PM</a:t>
+              <a:t>2/27/2019 8:02 PM</a:t>
             </a:fld>
             <a:endParaRPr lang="en-US" dirty="0"/>
           </a:p>
@@ -1179,7 +1179,7 @@
                   <a:prstClr val="black"/>
                 </a:solidFill>
               </a:rPr>
-              <a:t>2/27/2019 7:06 PM</a:t>
+              <a:t>2/27/2019 8:02 PM</a:t>
             </a:fld>
             <a:endParaRPr lang="en-US" dirty="0">
               <a:solidFill>
@@ -14535,7 +14535,7 @@
             <p:ph idx="1"/>
             <p:extLst>
               <p:ext uri="{D42A27DB-BD31-4B8C-83A1-F6EECF244321}">
-                <p14:modId xmlns:p14="http://schemas.microsoft.com/office/powerpoint/2010/main" val="1189348046"/>
+                <p14:modId xmlns:p14="http://schemas.microsoft.com/office/powerpoint/2010/main" val="963051505"/>
               </p:ext>
             </p:extLst>
           </p:nvPr>
@@ -14604,9 +14604,6 @@
                         <a:t>Pre-Lab Concepts and FAQs</a:t>
                       </a:r>
                     </a:p>
-                    <a:p>
-                      <a:endParaRPr lang="en-US" sz="1800" dirty="0"/>
-                    </a:p>
                   </a:txBody>
                   <a:tcPr marL="90647" marR="90647" marT="45324" marB="45324" anchor="ctr"/>
                 </a:tc>
@@ -14615,7 +14612,10 @@
                     <a:bodyPr/>
                     <a:lstStyle/>
                     <a:p>
-                      <a:endParaRPr lang="en-US" sz="1200" dirty="0"/>
+                      <a:r>
+                        <a:rPr lang="en-US" sz="1200" dirty="0"/>
+                        <a:t>This lab contains </a:t>
+                      </a:r>
                     </a:p>
                   </a:txBody>
                   <a:tcPr marL="90647" marR="90647" marT="45324" marB="45324" anchor="ctr"/>
@@ -16079,12 +16079,12 @@
 </file>
 
 <file path=customXml/item1.xml><?xml version="1.0" encoding="utf-8"?>
-<?mso-contentType ?>
-<FormTemplates xmlns="http://schemas.microsoft.com/sharepoint/v3/contenttype/forms">
-  <Display>DocumentLibraryForm</Display>
-  <Edit>DocumentLibraryForm</Edit>
-  <New>DocumentLibraryForm</New>
-</FormTemplates>
+<p:properties xmlns:p="http://schemas.microsoft.com/office/2006/metadata/properties" xmlns:xsi="http://www.w3.org/2001/XMLSchema-instance" xmlns:pc="http://schemas.microsoft.com/office/infopath/2007/PartnerControls">
+  <documentManagement>
+    <_ip_UnifiedCompliancePolicyUIAction xmlns="http://schemas.microsoft.com/sharepoint/v3" xsi:nil="true"/>
+    <_ip_UnifiedCompliancePolicyProperties xmlns="http://schemas.microsoft.com/sharepoint/v3" xsi:nil="true"/>
+  </documentManagement>
+</p:properties>
 </file>
 
 <file path=customXml/item2.xml><?xml version="1.0" encoding="utf-8"?>
@@ -16290,18 +16290,28 @@
 </file>
 
 <file path=customXml/item3.xml><?xml version="1.0" encoding="utf-8"?>
-<p:properties xmlns:p="http://schemas.microsoft.com/office/2006/metadata/properties" xmlns:xsi="http://www.w3.org/2001/XMLSchema-instance" xmlns:pc="http://schemas.microsoft.com/office/infopath/2007/PartnerControls">
-  <documentManagement>
-    <_ip_UnifiedCompliancePolicyUIAction xmlns="http://schemas.microsoft.com/sharepoint/v3" xsi:nil="true"/>
-    <_ip_UnifiedCompliancePolicyProperties xmlns="http://schemas.microsoft.com/sharepoint/v3" xsi:nil="true"/>
-  </documentManagement>
-</p:properties>
+<?mso-contentType ?>
+<FormTemplates xmlns="http://schemas.microsoft.com/sharepoint/v3/contenttype/forms">
+  <Display>DocumentLibraryForm</Display>
+  <Edit>DocumentLibraryForm</Edit>
+  <New>DocumentLibraryForm</New>
+</FormTemplates>
 </file>
 
 <file path=customXml/itemProps1.xml><?xml version="1.0" encoding="utf-8"?>
-<ds:datastoreItem xmlns:ds="http://schemas.openxmlformats.org/officeDocument/2006/customXml" ds:itemID="{F18501AF-04CF-4482-BAE1-607B49DDC378}">
+<ds:datastoreItem xmlns:ds="http://schemas.openxmlformats.org/officeDocument/2006/customXml" ds:itemID="{BAF7D529-36AB-45DA-B239-2F912F2D1610}">
   <ds:schemaRefs>
-    <ds:schemaRef ds:uri="http://schemas.microsoft.com/sharepoint/v3/contenttype/forms"/>
+    <ds:schemaRef ds:uri="http://schemas.microsoft.com/office/2006/metadata/properties"/>
+    <ds:schemaRef ds:uri="d9c797ad-d7c3-4982-82b7-81352a75e4a5"/>
+    <ds:schemaRef ds:uri="http://purl.org/dc/terms/"/>
+    <ds:schemaRef ds:uri="2023ac63-7b75-4916-a9ee-591457758eee"/>
+    <ds:schemaRef ds:uri="http://purl.org/dc/elements/1.1/"/>
+    <ds:schemaRef ds:uri="http://schemas.openxmlformats.org/package/2006/metadata/core-properties"/>
+    <ds:schemaRef ds:uri="http://purl.org/dc/dcmitype/"/>
+    <ds:schemaRef ds:uri="http://schemas.microsoft.com/office/2006/documentManagement/types"/>
+    <ds:schemaRef ds:uri="http://schemas.microsoft.com/office/infopath/2007/PartnerControls"/>
+    <ds:schemaRef ds:uri="http://schemas.microsoft.com/sharepoint/v3"/>
+    <ds:schemaRef ds:uri="http://www.w3.org/XML/1998/namespace"/>
   </ds:schemaRefs>
 </ds:datastoreItem>
 </file>
@@ -16327,19 +16337,9 @@
 </file>
 
 <file path=customXml/itemProps3.xml><?xml version="1.0" encoding="utf-8"?>
-<ds:datastoreItem xmlns:ds="http://schemas.openxmlformats.org/officeDocument/2006/customXml" ds:itemID="{BAF7D529-36AB-45DA-B239-2F912F2D1610}">
+<ds:datastoreItem xmlns:ds="http://schemas.openxmlformats.org/officeDocument/2006/customXml" ds:itemID="{F18501AF-04CF-4482-BAE1-607B49DDC378}">
   <ds:schemaRefs>
-    <ds:schemaRef ds:uri="http://schemas.microsoft.com/office/2006/metadata/properties"/>
-    <ds:schemaRef ds:uri="d9c797ad-d7c3-4982-82b7-81352a75e4a5"/>
-    <ds:schemaRef ds:uri="http://purl.org/dc/terms/"/>
-    <ds:schemaRef ds:uri="2023ac63-7b75-4916-a9ee-591457758eee"/>
-    <ds:schemaRef ds:uri="http://purl.org/dc/elements/1.1/"/>
-    <ds:schemaRef ds:uri="http://schemas.openxmlformats.org/package/2006/metadata/core-properties"/>
-    <ds:schemaRef ds:uri="http://purl.org/dc/dcmitype/"/>
-    <ds:schemaRef ds:uri="http://schemas.microsoft.com/office/2006/documentManagement/types"/>
-    <ds:schemaRef ds:uri="http://schemas.microsoft.com/office/infopath/2007/PartnerControls"/>
-    <ds:schemaRef ds:uri="http://schemas.microsoft.com/sharepoint/v3"/>
-    <ds:schemaRef ds:uri="http://www.w3.org/XML/1998/namespace"/>
+    <ds:schemaRef ds:uri="http://schemas.microsoft.com/sharepoint/v3/contenttype/forms"/>
   </ds:schemaRefs>
 </ds:datastoreItem>
 </file>